--- a/Czech Real Estate Analysis - presentation.pptx
+++ b/Czech Real Estate Analysis - presentation.pptx
@@ -16,8 +16,7 @@
     <p:sldId id="264" r:id="rId10"/>
     <p:sldId id="265" r:id="rId11"/>
     <p:sldId id="266" r:id="rId12"/>
-    <p:sldId id="268" r:id="rId13"/>
-    <p:sldId id="267" r:id="rId14"/>
+    <p:sldId id="267" r:id="rId13"/>
   </p:sldIdLst>
   <p:sldSz cx="12192000" cy="6858000"/>
   <p:notesSz cx="6858000" cy="9144000"/>
@@ -3403,21 +3402,29 @@
           <a:lstStyle/>
           <a:p>
             <a:r>
-              <a:rPr lang="cs-CZ" dirty="0"/>
+              <a:rPr lang="cs-CZ" dirty="0">
+                <a:latin typeface="Abadi" panose="020B0604020104020204" pitchFamily="34" charset="0"/>
+              </a:rPr>
               <a:t>Author: </a:t>
             </a:r>
             <a:r>
-              <a:rPr lang="en-GB" dirty="0"/>
+              <a:rPr lang="en-GB" dirty="0">
+                <a:latin typeface="Abadi" panose="020B0604020104020204" pitchFamily="34" charset="0"/>
+              </a:rPr>
               <a:t>Mat</a:t>
             </a:r>
             <a:r>
-              <a:rPr lang="cs-CZ" dirty="0"/>
+              <a:rPr lang="cs-CZ" dirty="0">
+                <a:latin typeface="Abadi" panose="020B0604020104020204" pitchFamily="34" charset="0"/>
+              </a:rPr>
               <a:t>ěj Foukal</a:t>
             </a:r>
           </a:p>
           <a:p>
             <a:r>
-              <a:rPr lang="cs-CZ" dirty="0"/>
+              <a:rPr lang="cs-CZ" dirty="0">
+                <a:latin typeface="Abadi" panose="020B0604020104020204" pitchFamily="34" charset="0"/>
+              </a:rPr>
               <a:t>Course: </a:t>
             </a:r>
             <a:r>
@@ -3426,11 +3433,13 @@
                   <a:srgbClr val="000000"/>
                 </a:solidFill>
                 <a:effectLst/>
-                <a:latin typeface="arial" panose="020B0604020202020204" pitchFamily="34" charset="0"/>
+                <a:latin typeface="Abadi" panose="020B0604020104020204" pitchFamily="34" charset="0"/>
               </a:rPr>
               <a:t>Seminar on Data Mining (NAIL121)</a:t>
             </a:r>
-            <a:endParaRPr lang="en-GB" dirty="0"/>
+            <a:endParaRPr lang="en-GB" dirty="0">
+              <a:latin typeface="Abadi" panose="020B0604020104020204" pitchFamily="34" charset="0"/>
+            </a:endParaRPr>
           </a:p>
         </p:txBody>
       </p:sp>
@@ -3495,7 +3504,7 @@
                 </a:solidFill>
                 <a:latin typeface="Consolas" panose="020B0609020204030204" pitchFamily="49" charset="0"/>
               </a:rPr>
-              <a:t>Q1:</a:t>
+              <a:t>Q7:</a:t>
             </a:r>
             <a:r>
               <a:rPr lang="cs-CZ" sz="2200" dirty="0"/>
@@ -3506,7 +3515,7 @@
                 <a:effectLst/>
                 <a:latin typeface="Consolas" panose="020B0609020204030204" pitchFamily="49" charset="0"/>
               </a:rPr>
-              <a:t>Which regions had the highest average flat prices in 2023?</a:t>
+              <a:t>Was there a peak in flat prices and if so when?</a:t>
             </a:r>
             <a:endParaRPr lang="en-GB" sz="2200" dirty="0"/>
           </a:p>
@@ -3608,7 +3617,7 @@
                 </a:solidFill>
                 <a:latin typeface="Consolas" panose="020B0609020204030204" pitchFamily="49" charset="0"/>
               </a:rPr>
-              <a:t>Q1:</a:t>
+              <a:t>Q8:</a:t>
             </a:r>
             <a:r>
               <a:rPr lang="cs-CZ" sz="2200" dirty="0"/>
@@ -3619,7 +3628,7 @@
                 <a:effectLst/>
                 <a:latin typeface="Consolas" panose="020B0609020204030204" pitchFamily="49" charset="0"/>
               </a:rPr>
-              <a:t>Which regions had the highest average flat prices in 2023?</a:t>
+              <a:t>Are houses or flats gaining more value since 2019?</a:t>
             </a:r>
             <a:endParaRPr lang="en-GB" sz="2200" dirty="0"/>
           </a:p>
@@ -3678,95 +3687,6 @@
   <p:cSld>
     <p:spTree>
       <p:nvGrpSpPr>
-        <p:cNvPr id="1" name="">
-          <a:extLst>
-            <a:ext uri="{FF2B5EF4-FFF2-40B4-BE49-F238E27FC236}">
-              <a16:creationId xmlns:a16="http://schemas.microsoft.com/office/drawing/2014/main" id="{1F5A3853-FDA8-4912-B19B-7D76F0B4D4F3}"/>
-            </a:ext>
-          </a:extLst>
-        </p:cNvPr>
-        <p:cNvGrpSpPr/>
-        <p:nvPr/>
-      </p:nvGrpSpPr>
-      <p:grpSpPr>
-        <a:xfrm>
-          <a:off x="0" y="0"/>
-          <a:ext cx="0" cy="0"/>
-          <a:chOff x="0" y="0"/>
-          <a:chExt cx="0" cy="0"/>
-        </a:xfrm>
-      </p:grpSpPr>
-      <p:sp>
-        <p:nvSpPr>
-          <p:cNvPr id="2" name="Title 1">
-            <a:extLst>
-              <a:ext uri="{FF2B5EF4-FFF2-40B4-BE49-F238E27FC236}">
-                <a16:creationId xmlns:a16="http://schemas.microsoft.com/office/drawing/2014/main" id="{62A36F18-2057-785B-7FC2-6FF31802C1FF}"/>
-              </a:ext>
-            </a:extLst>
-          </p:cNvPr>
-          <p:cNvSpPr>
-            <a:spLocks noGrp="1"/>
-          </p:cNvSpPr>
-          <p:nvPr>
-            <p:ph type="title"/>
-          </p:nvPr>
-        </p:nvSpPr>
-        <p:spPr/>
-        <p:txBody>
-          <a:bodyPr/>
-          <a:lstStyle/>
-          <a:p>
-            <a:r>
-              <a:rPr lang="en-GB" dirty="0"/>
-              <a:t>Findings</a:t>
-            </a:r>
-          </a:p>
-        </p:txBody>
-      </p:sp>
-      <p:sp>
-        <p:nvSpPr>
-          <p:cNvPr id="3" name="Content Placeholder 2">
-            <a:extLst>
-              <a:ext uri="{FF2B5EF4-FFF2-40B4-BE49-F238E27FC236}">
-                <a16:creationId xmlns:a16="http://schemas.microsoft.com/office/drawing/2014/main" id="{954F6521-81DA-BE4B-39A4-EB13522A4252}"/>
-              </a:ext>
-            </a:extLst>
-          </p:cNvPr>
-          <p:cNvSpPr>
-            <a:spLocks noGrp="1"/>
-          </p:cNvSpPr>
-          <p:nvPr>
-            <p:ph idx="1"/>
-          </p:nvPr>
-        </p:nvSpPr>
-        <p:spPr/>
-        <p:txBody>
-          <a:bodyPr/>
-          <a:lstStyle/>
-          <a:p>
-            <a:endParaRPr lang="en-GB"/>
-          </a:p>
-        </p:txBody>
-      </p:sp>
-    </p:spTree>
-    <p:extLst>
-      <p:ext uri="{BB962C8B-B14F-4D97-AF65-F5344CB8AC3E}">
-        <p14:creationId xmlns:p14="http://schemas.microsoft.com/office/powerpoint/2010/main" val="3996135779"/>
-      </p:ext>
-    </p:extLst>
-  </p:cSld>
-  <p:clrMapOvr>
-    <a:masterClrMapping/>
-  </p:clrMapOvr>
-</p:sld>
-</file>
-
-<file path=ppt/slides/slide13.xml><?xml version="1.0" encoding="utf-8"?>
-<p:sld xmlns:a="http://schemas.openxmlformats.org/drawingml/2006/main" xmlns:r="http://schemas.openxmlformats.org/officeDocument/2006/relationships" xmlns:p="http://schemas.openxmlformats.org/presentationml/2006/main">
-  <p:cSld>
-    <p:spTree>
-      <p:nvGrpSpPr>
         <p:cNvPr id="1" name=""/>
         <p:cNvGrpSpPr/>
         <p:nvPr/>
@@ -3800,10 +3720,15 @@
           <a:bodyPr/>
           <a:lstStyle/>
           <a:p>
-            <a:r>
-              <a:rPr lang="en-GB" dirty="0"/>
-              <a:t>Source code</a:t>
-            </a:r>
+            <a:pPr algn="ctr"/>
+            <a:r>
+              <a:rPr lang="en-GB" sz="4400" b="1" dirty="0">
+                <a:effectLst/>
+                <a:latin typeface="Consolas" panose="020B0609020204030204" pitchFamily="49" charset="0"/>
+              </a:rPr>
+              <a:t>GitHub Repository Link</a:t>
+            </a:r>
+            <a:endParaRPr lang="en-GB" b="1" dirty="0"/>
           </a:p>
         </p:txBody>
       </p:sp>
@@ -3837,8 +3762,8 @@
         </p:blipFill>
         <p:spPr>
           <a:xfrm>
-            <a:off x="3920331" y="1825625"/>
-            <a:ext cx="4351338" cy="4351338"/>
+            <a:off x="4484105" y="1817105"/>
+            <a:ext cx="3223790" cy="3223790"/>
           </a:xfrm>
         </p:spPr>
       </p:pic>
@@ -3894,7 +3819,13 @@
           <a:lstStyle/>
           <a:p>
             <a:r>
-              <a:rPr lang="cs-CZ" dirty="0"/>
+              <a:rPr lang="en-GB" sz="4400" b="1" dirty="0">
+                <a:solidFill>
+                  <a:srgbClr val="569CD6"/>
+                </a:solidFill>
+                <a:effectLst/>
+                <a:latin typeface="Consolas" panose="020B0609020204030204" pitchFamily="49" charset="0"/>
+              </a:rPr>
               <a:t>Objectives</a:t>
             </a:r>
             <a:endParaRPr lang="en-GB" dirty="0"/>
@@ -3922,7 +3853,28 @@
           <a:bodyPr/>
           <a:lstStyle/>
           <a:p>
-            <a:endParaRPr lang="en-GB" dirty="0"/>
+            <a:r>
+              <a:rPr lang="en-GB" dirty="0">
+                <a:latin typeface="Abadi" panose="020B0604020104020204" pitchFamily="34" charset="0"/>
+              </a:rPr>
+              <a:t>Analize regional real estate trends across the Czech Republic</a:t>
+            </a:r>
+          </a:p>
+          <a:p>
+            <a:r>
+              <a:rPr lang="en-GB" dirty="0">
+                <a:latin typeface="Abadi" panose="020B0604020104020204" pitchFamily="34" charset="0"/>
+              </a:rPr>
+              <a:t>Understand post COVID market shifts</a:t>
+            </a:r>
+          </a:p>
+          <a:p>
+            <a:r>
+              <a:rPr lang="en-GB" dirty="0">
+                <a:latin typeface="Abadi" panose="020B0604020104020204" pitchFamily="34" charset="0"/>
+              </a:rPr>
+              <a:t>Compare flat vs house prices across city sizes and regions</a:t>
+            </a:r>
           </a:p>
         </p:txBody>
       </p:sp>
@@ -3978,7 +3930,13 @@
           <a:lstStyle/>
           <a:p>
             <a:r>
-              <a:rPr lang="cs-CZ" dirty="0"/>
+              <a:rPr lang="en-GB" sz="4400" b="1" dirty="0">
+                <a:solidFill>
+                  <a:srgbClr val="569CD6"/>
+                </a:solidFill>
+                <a:effectLst/>
+                <a:latin typeface="Consolas" panose="020B0609020204030204" pitchFamily="49" charset="0"/>
+              </a:rPr>
               <a:t>Data Sources</a:t>
             </a:r>
             <a:endParaRPr lang="en-GB" dirty="0"/>
@@ -4006,7 +3964,282 @@
           <a:bodyPr/>
           <a:lstStyle/>
           <a:p>
-            <a:endParaRPr lang="en-GB"/>
+            <a:r>
+              <a:rPr lang="en-GB" b="1" dirty="0">
+                <a:latin typeface="Abadi" panose="020B0604020104020204" pitchFamily="34" charset="0"/>
+              </a:rPr>
+              <a:t>Czech Statistical Office </a:t>
+            </a:r>
+            <a:r>
+              <a:rPr lang="en-GB" dirty="0">
+                <a:latin typeface="Abadi" panose="020B0604020104020204" pitchFamily="34" charset="0"/>
+              </a:rPr>
+              <a:t>- </a:t>
+            </a:r>
+            <a:r>
+              <a:rPr lang="en-GB" dirty="0">
+                <a:latin typeface="Abadi" panose="020B0604020104020204" pitchFamily="34" charset="0"/>
+                <a:hlinkClick r:id="rId2"/>
+              </a:rPr>
+              <a:t>Czech Statistical Office</a:t>
+            </a:r>
+            <a:endParaRPr lang="en-GB" dirty="0">
+              <a:latin typeface="Abadi" panose="020B0604020104020204" pitchFamily="34" charset="0"/>
+            </a:endParaRPr>
+          </a:p>
+          <a:p>
+            <a:r>
+              <a:rPr lang="en-GB" dirty="0">
+                <a:latin typeface="Abadi" panose="020B0604020104020204" pitchFamily="34" charset="0"/>
+              </a:rPr>
+              <a:t>Datasets: </a:t>
+            </a:r>
+          </a:p>
+          <a:p>
+            <a:pPr lvl="1"/>
+            <a:r>
+              <a:rPr lang="en-GB" b="0" i="0" u="none" strike="noStrike" dirty="0" err="1">
+                <a:solidFill>
+                  <a:srgbClr val="333333"/>
+                </a:solidFill>
+                <a:effectLst/>
+                <a:latin typeface="Abadi" panose="020B0604020104020204" pitchFamily="34" charset="0"/>
+                <a:hlinkClick r:id="rId3"/>
+              </a:rPr>
+              <a:t>Průměrné</a:t>
+            </a:r>
+            <a:r>
+              <a:rPr lang="en-GB" b="0" i="0" u="none" strike="noStrike" dirty="0">
+                <a:solidFill>
+                  <a:srgbClr val="333333"/>
+                </a:solidFill>
+                <a:effectLst/>
+                <a:latin typeface="Abadi" panose="020B0604020104020204" pitchFamily="34" charset="0"/>
+                <a:hlinkClick r:id="rId3"/>
+              </a:rPr>
+              <a:t> </a:t>
+            </a:r>
+            <a:r>
+              <a:rPr lang="en-GB" b="0" i="0" u="none" strike="noStrike" dirty="0" err="1">
+                <a:solidFill>
+                  <a:srgbClr val="333333"/>
+                </a:solidFill>
+                <a:effectLst/>
+                <a:latin typeface="Abadi" panose="020B0604020104020204" pitchFamily="34" charset="0"/>
+                <a:hlinkClick r:id="rId3"/>
+              </a:rPr>
+              <a:t>kupní</a:t>
+            </a:r>
+            <a:r>
+              <a:rPr lang="en-GB" b="0" i="0" u="none" strike="noStrike" dirty="0">
+                <a:solidFill>
+                  <a:srgbClr val="333333"/>
+                </a:solidFill>
+                <a:effectLst/>
+                <a:latin typeface="Abadi" panose="020B0604020104020204" pitchFamily="34" charset="0"/>
+                <a:hlinkClick r:id="rId3"/>
+              </a:rPr>
+              <a:t> </a:t>
+            </a:r>
+            <a:r>
+              <a:rPr lang="en-GB" b="0" i="0" u="none" strike="noStrike" dirty="0" err="1">
+                <a:solidFill>
+                  <a:srgbClr val="333333"/>
+                </a:solidFill>
+                <a:effectLst/>
+                <a:latin typeface="Abadi" panose="020B0604020104020204" pitchFamily="34" charset="0"/>
+                <a:hlinkClick r:id="rId3"/>
+              </a:rPr>
+              <a:t>ceny</a:t>
+            </a:r>
+            <a:r>
+              <a:rPr lang="en-GB" b="0" i="0" u="none" strike="noStrike" dirty="0">
+                <a:solidFill>
+                  <a:srgbClr val="333333"/>
+                </a:solidFill>
+                <a:effectLst/>
+                <a:latin typeface="Abadi" panose="020B0604020104020204" pitchFamily="34" charset="0"/>
+                <a:hlinkClick r:id="rId3"/>
+              </a:rPr>
+              <a:t> </a:t>
+            </a:r>
+            <a:r>
+              <a:rPr lang="en-GB" b="0" i="0" u="none" strike="noStrike" dirty="0" err="1">
+                <a:solidFill>
+                  <a:srgbClr val="333333"/>
+                </a:solidFill>
+                <a:effectLst/>
+                <a:latin typeface="Abadi" panose="020B0604020104020204" pitchFamily="34" charset="0"/>
+                <a:hlinkClick r:id="rId3"/>
+              </a:rPr>
+              <a:t>nemovitostí</a:t>
+            </a:r>
+            <a:r>
+              <a:rPr lang="en-GB" b="0" i="0" u="none" strike="noStrike" dirty="0">
+                <a:solidFill>
+                  <a:srgbClr val="333333"/>
+                </a:solidFill>
+                <a:effectLst/>
+                <a:latin typeface="Abadi" panose="020B0604020104020204" pitchFamily="34" charset="0"/>
+                <a:hlinkClick r:id="rId3"/>
+              </a:rPr>
+              <a:t> - </a:t>
+            </a:r>
+            <a:r>
+              <a:rPr lang="en-GB" b="0" i="0" u="none" strike="noStrike" dirty="0" err="1">
+                <a:solidFill>
+                  <a:srgbClr val="333333"/>
+                </a:solidFill>
+                <a:effectLst/>
+                <a:latin typeface="Abadi" panose="020B0604020104020204" pitchFamily="34" charset="0"/>
+                <a:hlinkClick r:id="rId3"/>
+              </a:rPr>
+              <a:t>územní</a:t>
+            </a:r>
+            <a:r>
+              <a:rPr lang="en-GB" b="0" i="0" u="none" strike="noStrike" dirty="0">
+                <a:solidFill>
+                  <a:srgbClr val="333333"/>
+                </a:solidFill>
+                <a:effectLst/>
+                <a:latin typeface="Abadi" panose="020B0604020104020204" pitchFamily="34" charset="0"/>
+                <a:hlinkClick r:id="rId3"/>
+              </a:rPr>
+              <a:t> </a:t>
+            </a:r>
+            <a:r>
+              <a:rPr lang="en-GB" b="0" i="0" u="none" strike="noStrike" dirty="0" err="1">
+                <a:solidFill>
+                  <a:srgbClr val="333333"/>
+                </a:solidFill>
+                <a:effectLst/>
+                <a:latin typeface="Abadi" panose="020B0604020104020204" pitchFamily="34" charset="0"/>
+                <a:hlinkClick r:id="rId3"/>
+              </a:rPr>
+              <a:t>srovnání</a:t>
+            </a:r>
+            <a:endParaRPr lang="en-GB" b="0" i="0" u="none" strike="noStrike" dirty="0">
+              <a:solidFill>
+                <a:srgbClr val="333333"/>
+              </a:solidFill>
+              <a:effectLst/>
+              <a:latin typeface="Abadi" panose="020B0604020104020204" pitchFamily="34" charset="0"/>
+            </a:endParaRPr>
+          </a:p>
+          <a:p>
+            <a:pPr lvl="1"/>
+            <a:r>
+              <a:rPr lang="en-GB" b="0" i="0" u="none" strike="noStrike" dirty="0" err="1">
+                <a:solidFill>
+                  <a:srgbClr val="333333"/>
+                </a:solidFill>
+                <a:effectLst/>
+                <a:latin typeface="Abadi" panose="020B0604020104020204" pitchFamily="34" charset="0"/>
+                <a:hlinkClick r:id="rId4"/>
+              </a:rPr>
+              <a:t>Průměrné</a:t>
+            </a:r>
+            <a:r>
+              <a:rPr lang="en-GB" b="0" i="0" u="none" strike="noStrike" dirty="0">
+                <a:solidFill>
+                  <a:srgbClr val="333333"/>
+                </a:solidFill>
+                <a:effectLst/>
+                <a:latin typeface="Abadi" panose="020B0604020104020204" pitchFamily="34" charset="0"/>
+                <a:hlinkClick r:id="rId4"/>
+              </a:rPr>
+              <a:t> </a:t>
+            </a:r>
+            <a:r>
+              <a:rPr lang="en-GB" b="0" i="0" u="none" strike="noStrike" dirty="0" err="1">
+                <a:solidFill>
+                  <a:srgbClr val="333333"/>
+                </a:solidFill>
+                <a:effectLst/>
+                <a:latin typeface="Abadi" panose="020B0604020104020204" pitchFamily="34" charset="0"/>
+                <a:hlinkClick r:id="rId4"/>
+              </a:rPr>
+              <a:t>ceny</a:t>
+            </a:r>
+            <a:r>
+              <a:rPr lang="en-GB" b="0" i="0" u="none" strike="noStrike" dirty="0">
+                <a:solidFill>
+                  <a:srgbClr val="333333"/>
+                </a:solidFill>
+                <a:effectLst/>
+                <a:latin typeface="Abadi" panose="020B0604020104020204" pitchFamily="34" charset="0"/>
+                <a:hlinkClick r:id="rId4"/>
+              </a:rPr>
+              <a:t> </a:t>
+            </a:r>
+            <a:r>
+              <a:rPr lang="en-GB" b="0" i="0" u="none" strike="noStrike" dirty="0" err="1">
+                <a:solidFill>
+                  <a:srgbClr val="333333"/>
+                </a:solidFill>
+                <a:effectLst/>
+                <a:latin typeface="Abadi" panose="020B0604020104020204" pitchFamily="34" charset="0"/>
+                <a:hlinkClick r:id="rId4"/>
+              </a:rPr>
+              <a:t>nemovitostí</a:t>
+            </a:r>
+            <a:r>
+              <a:rPr lang="en-GB" b="0" i="0" u="none" strike="noStrike" dirty="0">
+                <a:solidFill>
+                  <a:srgbClr val="333333"/>
+                </a:solidFill>
+                <a:effectLst/>
+                <a:latin typeface="Abadi" panose="020B0604020104020204" pitchFamily="34" charset="0"/>
+                <a:hlinkClick r:id="rId4"/>
+              </a:rPr>
+              <a:t> - </a:t>
+            </a:r>
+            <a:r>
+              <a:rPr lang="en-GB" b="0" i="0" u="none" strike="noStrike" dirty="0" err="1">
+                <a:solidFill>
+                  <a:srgbClr val="333333"/>
+                </a:solidFill>
+                <a:effectLst/>
+                <a:latin typeface="Abadi" panose="020B0604020104020204" pitchFamily="34" charset="0"/>
+                <a:hlinkClick r:id="rId4"/>
+              </a:rPr>
+              <a:t>časové</a:t>
+            </a:r>
+            <a:r>
+              <a:rPr lang="en-GB" b="0" i="0" u="none" strike="noStrike" dirty="0">
+                <a:solidFill>
+                  <a:srgbClr val="333333"/>
+                </a:solidFill>
+                <a:effectLst/>
+                <a:latin typeface="Abadi" panose="020B0604020104020204" pitchFamily="34" charset="0"/>
+                <a:hlinkClick r:id="rId4"/>
+              </a:rPr>
+              <a:t> </a:t>
+            </a:r>
+            <a:r>
+              <a:rPr lang="en-GB" b="0" i="0" u="none" strike="noStrike" dirty="0" err="1">
+                <a:solidFill>
+                  <a:srgbClr val="333333"/>
+                </a:solidFill>
+                <a:effectLst/>
+                <a:latin typeface="Abadi" panose="020B0604020104020204" pitchFamily="34" charset="0"/>
+                <a:hlinkClick r:id="rId4"/>
+              </a:rPr>
+              <a:t>řady</a:t>
+            </a:r>
+            <a:endParaRPr lang="en-GB" b="0" i="0" u="none" strike="noStrike" dirty="0">
+              <a:solidFill>
+                <a:srgbClr val="333333"/>
+              </a:solidFill>
+              <a:effectLst/>
+              <a:latin typeface="Abadi" panose="020B0604020104020204" pitchFamily="34" charset="0"/>
+            </a:endParaRPr>
+          </a:p>
+          <a:p>
+            <a:pPr lvl="3"/>
+            <a:endParaRPr lang="en-GB" dirty="0">
+              <a:latin typeface="Abadi" panose="020B0604020104020204" pitchFamily="34" charset="0"/>
+            </a:endParaRPr>
           </a:p>
         </p:txBody>
       </p:sp>
@@ -4082,7 +4315,7 @@
                 <a:effectLst/>
                 <a:latin typeface="Consolas" panose="020B0609020204030204" pitchFamily="49" charset="0"/>
               </a:rPr>
-              <a:t>Which regions had the highest average flat prices in 2023?</a:t>
+              <a:t>Where was it most expensive to buy a flat in 2023?</a:t>
             </a:r>
             <a:endParaRPr lang="en-GB" sz="2000" dirty="0"/>
           </a:p>
@@ -4193,7 +4426,7 @@
                 </a:solidFill>
                 <a:latin typeface="Consolas" panose="020B0609020204030204" pitchFamily="49" charset="0"/>
               </a:rPr>
-              <a:t>Q1:</a:t>
+              <a:t>Q2:</a:t>
             </a:r>
             <a:r>
               <a:rPr lang="cs-CZ" sz="2200" dirty="0"/>
@@ -4204,7 +4437,7 @@
                 <a:effectLst/>
                 <a:latin typeface="Consolas" panose="020B0609020204030204" pitchFamily="49" charset="0"/>
               </a:rPr>
-              <a:t>Which regions had the highest average flat prices in 2023?</a:t>
+              <a:t>Which district grew the fastest in each region from 2019 to 2023?</a:t>
             </a:r>
             <a:endParaRPr lang="en-GB" sz="2200" dirty="0"/>
           </a:p>
@@ -4312,7 +4545,7 @@
                 </a:solidFill>
                 <a:latin typeface="Consolas" panose="020B0609020204030204" pitchFamily="49" charset="0"/>
               </a:rPr>
-              <a:t>Q1:</a:t>
+              <a:t>Q3:</a:t>
             </a:r>
             <a:r>
               <a:rPr lang="cs-CZ" sz="2200" dirty="0"/>
@@ -4323,7 +4556,7 @@
                 <a:effectLst/>
                 <a:latin typeface="Consolas" panose="020B0609020204030204" pitchFamily="49" charset="0"/>
               </a:rPr>
-              <a:t>Which regions had the highest average flat prices in 2023?</a:t>
+              <a:t>Is post-COVID demand favouring smaller cities for houses?</a:t>
             </a:r>
             <a:endParaRPr lang="en-GB" sz="2200" dirty="0"/>
           </a:p>
@@ -4425,18 +4658,17 @@
                 </a:solidFill>
                 <a:latin typeface="Consolas" panose="020B0609020204030204" pitchFamily="49" charset="0"/>
               </a:rPr>
-              <a:t>Q1:</a:t>
+              <a:t>Q4:</a:t>
             </a:r>
             <a:r>
               <a:rPr lang="cs-CZ" sz="2200" dirty="0"/>
               <a:t> </a:t>
             </a:r>
             <a:r>
-              <a:rPr lang="en-GB" sz="2200" b="0" dirty="0">
-                <a:effectLst/>
+              <a:rPr lang="en-GB" sz="2200" dirty="0">
                 <a:latin typeface="Consolas" panose="020B0609020204030204" pitchFamily="49" charset="0"/>
               </a:rPr>
-              <a:t>Which regions had the highest average flat prices in 2023?</a:t>
+              <a:t>In which regions is the flat market the most uneven?</a:t>
             </a:r>
             <a:endParaRPr lang="en-GB" sz="2200" dirty="0"/>
           </a:p>
@@ -4538,18 +4770,14 @@
                 </a:solidFill>
                 <a:latin typeface="Consolas" panose="020B0609020204030204" pitchFamily="49" charset="0"/>
               </a:rPr>
-              <a:t>Q1:</a:t>
-            </a:r>
-            <a:r>
-              <a:rPr lang="cs-CZ" sz="2200" dirty="0"/>
-              <a:t> </a:t>
+              <a:t>Q5: </a:t>
             </a:r>
             <a:r>
               <a:rPr lang="en-GB" sz="2200" b="0" dirty="0">
                 <a:effectLst/>
                 <a:latin typeface="Consolas" panose="020B0609020204030204" pitchFamily="49" charset="0"/>
               </a:rPr>
-              <a:t>Which regions had the highest average flat prices in 2023?</a:t>
+              <a:t>Which regions became more or less expensive since 2019?</a:t>
             </a:r>
             <a:endParaRPr lang="en-GB" sz="2200" dirty="0"/>
           </a:p>
@@ -4651,7 +4879,7 @@
                 </a:solidFill>
                 <a:latin typeface="Consolas" panose="020B0609020204030204" pitchFamily="49" charset="0"/>
               </a:rPr>
-              <a:t>Q1:</a:t>
+              <a:t>Q6:</a:t>
             </a:r>
             <a:r>
               <a:rPr lang="cs-CZ" sz="2200" dirty="0"/>
@@ -4662,7 +4890,35 @@
                 <a:effectLst/>
                 <a:latin typeface="Consolas" panose="020B0609020204030204" pitchFamily="49" charset="0"/>
               </a:rPr>
-              <a:t>Which regions had the highest average flat prices in 2023?</a:t>
+              <a:t>How have prices changed across city sizes in </a:t>
+            </a:r>
+            <a:r>
+              <a:rPr lang="en-GB" sz="2200" b="0" dirty="0" err="1">
+                <a:effectLst/>
+                <a:latin typeface="Consolas" panose="020B0609020204030204" pitchFamily="49" charset="0"/>
+              </a:rPr>
+              <a:t>Středočeský</a:t>
+            </a:r>
+            <a:r>
+              <a:rPr lang="en-GB" sz="2200" b="0" dirty="0">
+                <a:effectLst/>
+                <a:latin typeface="Consolas" panose="020B0609020204030204" pitchFamily="49" charset="0"/>
+              </a:rPr>
+              <a:t> </a:t>
+            </a:r>
+            <a:r>
+              <a:rPr lang="en-GB" sz="2200" b="0" dirty="0" err="1">
+                <a:effectLst/>
+                <a:latin typeface="Consolas" panose="020B0609020204030204" pitchFamily="49" charset="0"/>
+              </a:rPr>
+              <a:t>kraj</a:t>
+            </a:r>
+            <a:r>
+              <a:rPr lang="en-GB" sz="2200" b="0" dirty="0">
+                <a:effectLst/>
+                <a:latin typeface="Consolas" panose="020B0609020204030204" pitchFamily="49" charset="0"/>
+              </a:rPr>
+              <a:t>?</a:t>
             </a:r>
             <a:endParaRPr lang="en-GB" sz="2200" dirty="0"/>
           </a:p>
